--- a/清华简约主题-留边-4-3.pptx
+++ b/清华简约主题-留边-4-3.pptx
@@ -298,7 +298,7 @@
           <a:p>
             <a:fld id="{E4551058-E5DB-324A-A8E9-6D3BEF243C3B}" type="datetimeFigureOut">
               <a:rPr kumimoji="1" lang="zh-CN" altLang="en-US" smtClean="0"/>
-              <a:t>2020/6/12</a:t>
+              <a:t>2022/6/5</a:t>
             </a:fld>
             <a:endParaRPr kumimoji="1" lang="zh-CN" altLang="en-US"/>
           </a:p>
@@ -822,7 +822,7 @@
           <a:p>
             <a:fld id="{E4551058-E5DB-324A-A8E9-6D3BEF243C3B}" type="datetimeFigureOut">
               <a:rPr kumimoji="1" lang="zh-CN" altLang="en-US" smtClean="0"/>
-              <a:t>2020/6/12</a:t>
+              <a:t>2022/6/5</a:t>
             </a:fld>
             <a:endParaRPr kumimoji="1" lang="zh-CN" altLang="en-US"/>
           </a:p>
@@ -1071,7 +1071,7 @@
           <a:p>
             <a:fld id="{E4551058-E5DB-324A-A8E9-6D3BEF243C3B}" type="datetimeFigureOut">
               <a:rPr kumimoji="1" lang="zh-CN" altLang="en-US" smtClean="0"/>
-              <a:t>2020/6/12</a:t>
+              <a:t>2022/6/5</a:t>
             </a:fld>
             <a:endParaRPr kumimoji="1" lang="zh-CN" altLang="en-US"/>
           </a:p>
@@ -1240,8 +1240,8 @@
         </p:nvSpPr>
         <p:spPr>
           <a:xfrm>
-            <a:off x="6629401" y="675727"/>
-            <a:ext cx="1503123" cy="5183073"/>
+            <a:off x="6745255" y="675727"/>
+            <a:ext cx="1387269" cy="5183073"/>
           </a:xfrm>
           <a:prstGeom prst="rect">
             <a:avLst/>
@@ -1361,7 +1361,7 @@
           <a:p>
             <a:fld id="{E4551058-E5DB-324A-A8E9-6D3BEF243C3B}" type="datetimeFigureOut">
               <a:rPr kumimoji="1" lang="zh-CN" altLang="en-US" smtClean="0"/>
-              <a:t>2020/6/12</a:t>
+              <a:t>2022/6/5</a:t>
             </a:fld>
             <a:endParaRPr kumimoji="1" lang="zh-CN" altLang="en-US"/>
           </a:p>
@@ -1586,7 +1586,7 @@
           <a:p>
             <a:fld id="{E4551058-E5DB-324A-A8E9-6D3BEF243C3B}" type="datetimeFigureOut">
               <a:rPr kumimoji="1" lang="zh-CN" altLang="en-US" smtClean="0"/>
-              <a:t>2020/6/12</a:t>
+              <a:t>2022/6/5</a:t>
             </a:fld>
             <a:endParaRPr kumimoji="1" lang="zh-CN" altLang="en-US"/>
           </a:p>
@@ -1891,7 +1891,7 @@
           <a:p>
             <a:fld id="{E4551058-E5DB-324A-A8E9-6D3BEF243C3B}" type="datetimeFigureOut">
               <a:rPr kumimoji="1" lang="zh-CN" altLang="en-US" smtClean="0"/>
-              <a:t>2020/6/12</a:t>
+              <a:t>2022/6/5</a:t>
             </a:fld>
             <a:endParaRPr kumimoji="1" lang="zh-CN" altLang="en-US"/>
           </a:p>
@@ -2376,7 +2376,7 @@
           <a:p>
             <a:fld id="{E4551058-E5DB-324A-A8E9-6D3BEF243C3B}" type="datetimeFigureOut">
               <a:rPr kumimoji="1" lang="zh-CN" altLang="en-US" smtClean="0"/>
-              <a:t>2020/6/12</a:t>
+              <a:t>2022/6/5</a:t>
             </a:fld>
             <a:endParaRPr kumimoji="1" lang="zh-CN" altLang="en-US"/>
           </a:p>
@@ -2673,7 +2673,7 @@
           <a:p>
             <a:fld id="{E4551058-E5DB-324A-A8E9-6D3BEF243C3B}" type="datetimeFigureOut">
               <a:rPr kumimoji="1" lang="zh-CN" altLang="en-US" smtClean="0"/>
-              <a:t>2020/6/12</a:t>
+              <a:t>2022/6/5</a:t>
             </a:fld>
             <a:endParaRPr kumimoji="1" lang="zh-CN" altLang="en-US"/>
           </a:p>
@@ -3056,7 +3056,7 @@
           <a:p>
             <a:fld id="{E4551058-E5DB-324A-A8E9-6D3BEF243C3B}" type="datetimeFigureOut">
               <a:rPr kumimoji="1" lang="zh-CN" altLang="en-US" smtClean="0"/>
-              <a:t>2020/6/12</a:t>
+              <a:t>2022/6/5</a:t>
             </a:fld>
             <a:endParaRPr kumimoji="1" lang="zh-CN" altLang="en-US"/>
           </a:p>
@@ -3179,7 +3179,7 @@
           <a:p>
             <a:fld id="{E4551058-E5DB-324A-A8E9-6D3BEF243C3B}" type="datetimeFigureOut">
               <a:rPr kumimoji="1" lang="zh-CN" altLang="en-US" smtClean="0"/>
-              <a:t>2020/6/12</a:t>
+              <a:t>2022/6/5</a:t>
             </a:fld>
             <a:endParaRPr kumimoji="1" lang="zh-CN" altLang="en-US"/>
           </a:p>
@@ -3302,7 +3302,7 @@
           <a:p>
             <a:fld id="{E4551058-E5DB-324A-A8E9-6D3BEF243C3B}" type="datetimeFigureOut">
               <a:rPr kumimoji="1" lang="zh-CN" altLang="en-US" smtClean="0"/>
-              <a:t>2020/6/12</a:t>
+              <a:t>2022/6/5</a:t>
             </a:fld>
             <a:endParaRPr kumimoji="1" lang="zh-CN" altLang="en-US"/>
           </a:p>
@@ -3819,7 +3819,7 @@
           <a:p>
             <a:fld id="{E4551058-E5DB-324A-A8E9-6D3BEF243C3B}" type="datetimeFigureOut">
               <a:rPr kumimoji="1" lang="zh-CN" altLang="en-US" smtClean="0"/>
-              <a:t>2020/6/12</a:t>
+              <a:t>2022/6/5</a:t>
             </a:fld>
             <a:endParaRPr kumimoji="1" lang="zh-CN" altLang="en-US" dirty="0"/>
           </a:p>
@@ -4205,7 +4205,7 @@
           <a:p>
             <a:fld id="{E4551058-E5DB-324A-A8E9-6D3BEF243C3B}" type="datetimeFigureOut">
               <a:rPr kumimoji="1" lang="zh-CN" altLang="en-US" smtClean="0"/>
-              <a:t>2020/6/12</a:t>
+              <a:t>2022/6/5</a:t>
             </a:fld>
             <a:endParaRPr kumimoji="1" lang="zh-CN" altLang="en-US"/>
           </a:p>

--- a/清华简约主题-留边-4-3.pptx
+++ b/清华简约主题-留边-4-3.pptx
@@ -5,7 +5,7 @@
     <p:sldMasterId id="2147483858" r:id="rId1"/>
   </p:sldMasterIdLst>
   <p:sldIdLst>
-    <p:sldId id="256" r:id="rId2"/>
+    <p:sldId id="268" r:id="rId2"/>
     <p:sldId id="258" r:id="rId3"/>
     <p:sldId id="260" r:id="rId4"/>
     <p:sldId id="267" r:id="rId5"/>
@@ -136,6 +136,36 @@
           <a:chExt cx="0" cy="0"/>
         </a:xfrm>
       </p:grpSpPr>
+      <p:pic>
+        <p:nvPicPr>
+          <p:cNvPr id="17" name="图片 16">
+            <a:extLst>
+              <a:ext uri="{FF2B5EF4-FFF2-40B4-BE49-F238E27FC236}">
+                <a16:creationId xmlns:a16="http://schemas.microsoft.com/office/drawing/2014/main" id="{FE36CCE7-3272-4844-A9C5-5CC3912BD437}"/>
+              </a:ext>
+            </a:extLst>
+          </p:cNvPr>
+          <p:cNvPicPr>
+            <a:picLocks noChangeAspect="1"/>
+          </p:cNvPicPr>
+          <p:nvPr userDrawn="1"/>
+        </p:nvPicPr>
+        <p:blipFill>
+          <a:blip r:embed="rId2"/>
+          <a:stretch>
+            <a:fillRect/>
+          </a:stretch>
+        </p:blipFill>
+        <p:spPr>
+          <a:xfrm>
+            <a:off x="283633" y="379377"/>
+            <a:ext cx="2528824" cy="995670"/>
+          </a:xfrm>
+          <a:prstGeom prst="rect">
+            <a:avLst/>
+          </a:prstGeom>
+        </p:spPr>
+      </p:pic>
       <p:sp>
         <p:nvSpPr>
           <p:cNvPr id="9" name="Rectangle 6">
@@ -267,165 +297,6 @@
       </p:sp>
       <p:sp>
         <p:nvSpPr>
-          <p:cNvPr id="4" name="Date Placeholder 3"/>
-          <p:cNvSpPr>
-            <a:spLocks noGrp="1"/>
-          </p:cNvSpPr>
-          <p:nvPr>
-            <p:ph type="dt" sz="half" idx="10"/>
-          </p:nvPr>
-        </p:nvSpPr>
-        <p:spPr>
-          <a:xfrm>
-            <a:off x="5704463" y="5956140"/>
-            <a:ext cx="2133600" cy="365125"/>
-          </a:xfrm>
-        </p:spPr>
-        <p:txBody>
-          <a:bodyPr/>
-          <a:lstStyle>
-            <a:lvl1pPr>
-              <a:defRPr>
-                <a:solidFill>
-                  <a:schemeClr val="accent1">
-                    <a:lumMod val="75000"/>
-                    <a:lumOff val="25000"/>
-                  </a:schemeClr>
-                </a:solidFill>
-              </a:defRPr>
-            </a:lvl1pPr>
-          </a:lstStyle>
-          <a:p>
-            <a:fld id="{E4551058-E5DB-324A-A8E9-6D3BEF243C3B}" type="datetimeFigureOut">
-              <a:rPr kumimoji="1" lang="zh-CN" altLang="en-US" smtClean="0"/>
-              <a:t>2022/6/5</a:t>
-            </a:fld>
-            <a:endParaRPr kumimoji="1" lang="zh-CN" altLang="en-US"/>
-          </a:p>
-        </p:txBody>
-      </p:sp>
-      <p:sp>
-        <p:nvSpPr>
-          <p:cNvPr id="5" name="Footer Placeholder 4"/>
-          <p:cNvSpPr>
-            <a:spLocks noGrp="1"/>
-          </p:cNvSpPr>
-          <p:nvPr>
-            <p:ph type="ftr" sz="quarter" idx="11"/>
-          </p:nvPr>
-        </p:nvSpPr>
-        <p:spPr>
-          <a:xfrm>
-            <a:off x="435895" y="5951814"/>
-            <a:ext cx="5187908" cy="365125"/>
-          </a:xfrm>
-        </p:spPr>
-        <p:txBody>
-          <a:bodyPr/>
-          <a:lstStyle>
-            <a:lvl1pPr>
-              <a:defRPr>
-                <a:solidFill>
-                  <a:schemeClr val="accent1">
-                    <a:lumMod val="75000"/>
-                    <a:lumOff val="25000"/>
-                  </a:schemeClr>
-                </a:solidFill>
-              </a:defRPr>
-            </a:lvl1pPr>
-          </a:lstStyle>
-          <a:p>
-            <a:endParaRPr kumimoji="1" lang="zh-CN" altLang="en-US"/>
-          </a:p>
-        </p:txBody>
-      </p:sp>
-      <p:sp>
-        <p:nvSpPr>
-          <p:cNvPr id="6" name="Slide Number Placeholder 5"/>
-          <p:cNvSpPr>
-            <a:spLocks noGrp="1"/>
-          </p:cNvSpPr>
-          <p:nvPr>
-            <p:ph type="sldNum" sz="quarter" idx="12"/>
-          </p:nvPr>
-        </p:nvSpPr>
-        <p:spPr>
-          <a:xfrm>
-            <a:off x="7918725" y="5956140"/>
-            <a:ext cx="762330" cy="365125"/>
-          </a:xfrm>
-        </p:spPr>
-        <p:txBody>
-          <a:bodyPr/>
-          <a:lstStyle>
-            <a:lvl1pPr>
-              <a:defRPr>
-                <a:solidFill>
-                  <a:schemeClr val="accent1">
-                    <a:lumMod val="75000"/>
-                    <a:lumOff val="25000"/>
-                  </a:schemeClr>
-                </a:solidFill>
-              </a:defRPr>
-            </a:lvl1pPr>
-          </a:lstStyle>
-          <a:p>
-            <a:fld id="{977BA8E6-E826-B147-AA17-E3D76A29629C}" type="slidenum">
-              <a:rPr kumimoji="1" lang="zh-CN" altLang="en-US" smtClean="0"/>
-              <a:t>‹#›</a:t>
-            </a:fld>
-            <a:endParaRPr kumimoji="1" lang="zh-CN" altLang="en-US"/>
-          </a:p>
-        </p:txBody>
-      </p:sp>
-      <p:pic>
-        <p:nvPicPr>
-          <p:cNvPr id="8" name="图片 7">
-            <a:extLst>
-              <a:ext uri="{FF2B5EF4-FFF2-40B4-BE49-F238E27FC236}">
-                <a16:creationId xmlns:a16="http://schemas.microsoft.com/office/drawing/2014/main" id="{194A483F-9AA2-A24C-BA23-AD5256267A43}"/>
-              </a:ext>
-            </a:extLst>
-          </p:cNvPr>
-          <p:cNvPicPr>
-            <a:picLocks noChangeAspect="1"/>
-          </p:cNvPicPr>
-          <p:nvPr userDrawn="1"/>
-        </p:nvPicPr>
-        <p:blipFill>
-          <a:blip r:embed="rId2" cstate="print">
-            <a:clrChange>
-              <a:clrFrom>
-                <a:srgbClr val="FFFFFF"/>
-              </a:clrFrom>
-              <a:clrTo>
-                <a:srgbClr val="FFFFFF">
-                  <a:alpha val="0"/>
-                </a:srgbClr>
-              </a:clrTo>
-            </a:clrChange>
-            <a:extLst>
-              <a:ext uri="{28A0092B-C50C-407E-A947-70E740481C1C}">
-                <a14:useLocalDpi xmlns:a14="http://schemas.microsoft.com/office/drawing/2010/main" val="0"/>
-              </a:ext>
-            </a:extLst>
-          </a:blip>
-          <a:stretch>
-            <a:fillRect/>
-          </a:stretch>
-        </p:blipFill>
-        <p:spPr>
-          <a:xfrm>
-            <a:off x="269282" y="246214"/>
-            <a:ext cx="2543175" cy="1073785"/>
-          </a:xfrm>
-          <a:prstGeom prst="rect">
-            <a:avLst/>
-          </a:prstGeom>
-        </p:spPr>
-      </p:pic>
-      <p:sp>
-        <p:nvSpPr>
           <p:cNvPr id="12" name="Title 1">
             <a:extLst>
               <a:ext uri="{FF2B5EF4-FFF2-40B4-BE49-F238E27FC236}">
@@ -456,7 +327,7 @@
           </a:bodyPr>
           <a:lstStyle>
             <a:lvl1pPr algn="ctr">
-              <a:defRPr lang="en-US" altLang="en-US" sz="2700" b="0" kern="1200" cap="all" dirty="0">
+              <a:defRPr lang="en-US" altLang="en-US" sz="2700" b="0" kern="1200" cap="none" baseline="0" dirty="0">
                 <a:solidFill>
                   <a:schemeClr val="bg1"/>
                 </a:solidFill>
@@ -504,7 +375,7 @@
           <a:lstStyle>
             <a:lvl1pPr marL="0" indent="0" algn="ctr">
               <a:buNone/>
-              <a:defRPr sz="1500" cap="all">
+              <a:defRPr sz="1500" cap="none" baseline="0">
                 <a:solidFill>
                   <a:schemeClr val="accent2"/>
                 </a:solidFill>
@@ -597,6 +468,137 @@
               <a:t>单击此处编辑母版副标题样式</a:t>
             </a:r>
             <a:endParaRPr lang="en-US" dirty="0"/>
+          </a:p>
+        </p:txBody>
+      </p:sp>
+      <p:sp>
+        <p:nvSpPr>
+          <p:cNvPr id="14" name="Date Placeholder 3">
+            <a:extLst>
+              <a:ext uri="{FF2B5EF4-FFF2-40B4-BE49-F238E27FC236}">
+                <a16:creationId xmlns:a16="http://schemas.microsoft.com/office/drawing/2014/main" id="{424C8BBE-6D43-D148-83B4-12265207FA00}"/>
+              </a:ext>
+            </a:extLst>
+          </p:cNvPr>
+          <p:cNvSpPr>
+            <a:spLocks noGrp="1"/>
+          </p:cNvSpPr>
+          <p:nvPr>
+            <p:ph type="dt" sz="half" idx="2"/>
+          </p:nvPr>
+        </p:nvSpPr>
+        <p:spPr>
+          <a:xfrm>
+            <a:off x="5704465" y="5956140"/>
+            <a:ext cx="2133599" cy="365125"/>
+          </a:xfrm>
+          <a:prstGeom prst="rect">
+            <a:avLst/>
+          </a:prstGeom>
+        </p:spPr>
+        <p:txBody>
+          <a:bodyPr vert="horz" lIns="91440" tIns="45720" rIns="91440" bIns="45720" rtlCol="0" anchor="ctr"/>
+          <a:lstStyle>
+            <a:lvl1pPr algn="r">
+              <a:defRPr sz="675">
+                <a:solidFill>
+                  <a:schemeClr val="accent2"/>
+                </a:solidFill>
+              </a:defRPr>
+            </a:lvl1pPr>
+          </a:lstStyle>
+          <a:p>
+            <a:fld id="{E4551058-E5DB-324A-A8E9-6D3BEF243C3B}" type="datetimeFigureOut">
+              <a:rPr kumimoji="1" lang="zh-CN" altLang="en-US" smtClean="0"/>
+              <a:t>2022/6/9</a:t>
+            </a:fld>
+            <a:endParaRPr kumimoji="1" lang="zh-CN" altLang="en-US"/>
+          </a:p>
+        </p:txBody>
+      </p:sp>
+      <p:sp>
+        <p:nvSpPr>
+          <p:cNvPr id="15" name="Footer Placeholder 4">
+            <a:extLst>
+              <a:ext uri="{FF2B5EF4-FFF2-40B4-BE49-F238E27FC236}">
+                <a16:creationId xmlns:a16="http://schemas.microsoft.com/office/drawing/2014/main" id="{8E154CE1-FF1A-884C-94BC-703B56D275DC}"/>
+              </a:ext>
+            </a:extLst>
+          </p:cNvPr>
+          <p:cNvSpPr>
+            <a:spLocks noGrp="1"/>
+          </p:cNvSpPr>
+          <p:nvPr>
+            <p:ph type="ftr" sz="quarter" idx="3"/>
+          </p:nvPr>
+        </p:nvSpPr>
+        <p:spPr>
+          <a:xfrm>
+            <a:off x="435895" y="5951814"/>
+            <a:ext cx="5187908" cy="365125"/>
+          </a:xfrm>
+          <a:prstGeom prst="rect">
+            <a:avLst/>
+          </a:prstGeom>
+        </p:spPr>
+        <p:txBody>
+          <a:bodyPr vert="horz" lIns="91440" tIns="45720" rIns="91440" bIns="45720" rtlCol="0" anchor="ctr"/>
+          <a:lstStyle>
+            <a:lvl1pPr algn="l">
+              <a:defRPr sz="675" cap="all">
+                <a:solidFill>
+                  <a:schemeClr val="accent2"/>
+                </a:solidFill>
+              </a:defRPr>
+            </a:lvl1pPr>
+          </a:lstStyle>
+          <a:p>
+            <a:endParaRPr kumimoji="1" lang="zh-CN" altLang="en-US"/>
+          </a:p>
+        </p:txBody>
+      </p:sp>
+      <p:sp>
+        <p:nvSpPr>
+          <p:cNvPr id="16" name="Slide Number Placeholder 5">
+            <a:extLst>
+              <a:ext uri="{FF2B5EF4-FFF2-40B4-BE49-F238E27FC236}">
+                <a16:creationId xmlns:a16="http://schemas.microsoft.com/office/drawing/2014/main" id="{8967CE88-7930-FF40-854C-7903E22F8767}"/>
+              </a:ext>
+            </a:extLst>
+          </p:cNvPr>
+          <p:cNvSpPr>
+            <a:spLocks noGrp="1"/>
+          </p:cNvSpPr>
+          <p:nvPr>
+            <p:ph type="sldNum" sz="quarter" idx="4"/>
+          </p:nvPr>
+        </p:nvSpPr>
+        <p:spPr>
+          <a:xfrm>
+            <a:off x="7918726" y="5956140"/>
+            <a:ext cx="789383" cy="365125"/>
+          </a:xfrm>
+          <a:prstGeom prst="rect">
+            <a:avLst/>
+          </a:prstGeom>
+        </p:spPr>
+        <p:txBody>
+          <a:bodyPr vert="horz" lIns="91440" tIns="45720" rIns="91440" bIns="45720" rtlCol="0" anchor="ctr"/>
+          <a:lstStyle>
+            <a:lvl1pPr algn="r">
+              <a:defRPr sz="675">
+                <a:solidFill>
+                  <a:schemeClr val="accent2"/>
+                </a:solidFill>
+              </a:defRPr>
+            </a:lvl1pPr>
+          </a:lstStyle>
+          <a:p>
+            <a:fld id="{977BA8E6-E826-B147-AA17-E3D76A29629C}" type="slidenum">
+              <a:rPr kumimoji="1" lang="zh-CN" altLang="en-US" smtClean="0"/>
+              <a:t>‹#›</a:t>
+            </a:fld>
+            <a:endParaRPr kumimoji="1" lang="zh-CN" altLang="en-US"/>
           </a:p>
         </p:txBody>
       </p:sp>
@@ -664,7 +666,7 @@
           </a:lstStyle>
           <a:p>
             <a:r>
-              <a:rPr lang="zh-CN" altLang="en-US"/>
+              <a:rPr lang="zh-CN" altLang="en-US" dirty="0"/>
               <a:t>单击此处编辑母版标题样式</a:t>
             </a:r>
             <a:endParaRPr lang="en-US" dirty="0"/>
@@ -799,7 +801,7 @@
           <a:p>
             <a:pPr lvl="0"/>
             <a:r>
-              <a:rPr lang="zh-CN" altLang="en-US"/>
+              <a:rPr lang="zh-CN" altLang="en-US" dirty="0"/>
               <a:t>单击此处编辑母版文本样式</a:t>
             </a:r>
           </a:p>
@@ -822,7 +824,7 @@
           <a:p>
             <a:fld id="{E4551058-E5DB-324A-A8E9-6D3BEF243C3B}" type="datetimeFigureOut">
               <a:rPr kumimoji="1" lang="zh-CN" altLang="en-US" smtClean="0"/>
-              <a:t>2022/6/5</a:t>
+              <a:t>2022/6/9</a:t>
             </a:fld>
             <a:endParaRPr kumimoji="1" lang="zh-CN" altLang="en-US"/>
           </a:p>
@@ -1071,7 +1073,7 @@
           <a:p>
             <a:fld id="{E4551058-E5DB-324A-A8E9-6D3BEF243C3B}" type="datetimeFigureOut">
               <a:rPr kumimoji="1" lang="zh-CN" altLang="en-US" smtClean="0"/>
-              <a:t>2022/6/5</a:t>
+              <a:t>2022/6/9</a:t>
             </a:fld>
             <a:endParaRPr kumimoji="1" lang="zh-CN" altLang="en-US"/>
           </a:p>
@@ -1141,7 +1143,7 @@
           <a:lstStyle/>
           <a:p>
             <a:r>
-              <a:rPr kumimoji="1" lang="zh-CN" altLang="en-US"/>
+              <a:rPr kumimoji="1" lang="zh-CN" altLang="en-US" dirty="0"/>
               <a:t>单击此处编辑母版标题样式</a:t>
             </a:r>
           </a:p>
@@ -1224,43 +1226,6 @@
       </p:sp>
       <p:sp>
         <p:nvSpPr>
-          <p:cNvPr id="11" name="Vertical Title 1">
-            <a:extLst>
-              <a:ext uri="{FF2B5EF4-FFF2-40B4-BE49-F238E27FC236}">
-                <a16:creationId xmlns:a16="http://schemas.microsoft.com/office/drawing/2014/main" id="{9D3F700B-2D07-A448-9622-360F28D96C56}"/>
-              </a:ext>
-            </a:extLst>
-          </p:cNvPr>
-          <p:cNvSpPr>
-            <a:spLocks noGrp="1"/>
-          </p:cNvSpPr>
-          <p:nvPr>
-            <p:ph type="title" orient="vert"/>
-          </p:nvPr>
-        </p:nvSpPr>
-        <p:spPr>
-          <a:xfrm>
-            <a:off x="6745255" y="675727"/>
-            <a:ext cx="1387269" cy="5183073"/>
-          </a:xfrm>
-          <a:prstGeom prst="rect">
-            <a:avLst/>
-          </a:prstGeom>
-        </p:spPr>
-        <p:txBody>
-          <a:bodyPr vert="eaVert" anchor="b"/>
-          <a:lstStyle/>
-          <a:p>
-            <a:r>
-              <a:rPr lang="zh-CN" altLang="en-US" dirty="0"/>
-              <a:t>单击此处编辑母版标题样式</a:t>
-            </a:r>
-            <a:endParaRPr lang="en-US" dirty="0"/>
-          </a:p>
-        </p:txBody>
-      </p:sp>
-      <p:sp>
-        <p:nvSpPr>
           <p:cNvPr id="12" name="Vertical Text Placeholder 2">
             <a:extLst>
               <a:ext uri="{FF2B5EF4-FFF2-40B4-BE49-F238E27FC236}">
@@ -1361,7 +1326,7 @@
           <a:p>
             <a:fld id="{E4551058-E5DB-324A-A8E9-6D3BEF243C3B}" type="datetimeFigureOut">
               <a:rPr kumimoji="1" lang="zh-CN" altLang="en-US" smtClean="0"/>
-              <a:t>2022/6/5</a:t>
+              <a:t>2022/6/9</a:t>
             </a:fld>
             <a:endParaRPr kumimoji="1" lang="zh-CN" altLang="en-US"/>
           </a:p>
@@ -1444,10 +1409,10 @@
       </p:sp>
       <p:pic>
         <p:nvPicPr>
-          <p:cNvPr id="9" name="图片 8">
-            <a:extLst>
-              <a:ext uri="{FF2B5EF4-FFF2-40B4-BE49-F238E27FC236}">
-                <a16:creationId xmlns:a16="http://schemas.microsoft.com/office/drawing/2014/main" id="{47879AA7-0E4E-324F-BEA0-1021E4D24244}"/>
+          <p:cNvPr id="16" name="图片 15">
+            <a:extLst>
+              <a:ext uri="{FF2B5EF4-FFF2-40B4-BE49-F238E27FC236}">
+                <a16:creationId xmlns:a16="http://schemas.microsoft.com/office/drawing/2014/main" id="{D806BB0A-BCC5-C146-8F66-C9C7C32DC1BA}"/>
               </a:ext>
             </a:extLst>
           </p:cNvPr>
@@ -1457,31 +1422,58 @@
           <p:nvPr userDrawn="1"/>
         </p:nvPicPr>
         <p:blipFill>
-          <a:blip r:embed="rId2">
-            <a:duotone>
-              <a:schemeClr val="bg2">
-                <a:shade val="45000"/>
-                <a:satMod val="135000"/>
-              </a:schemeClr>
-              <a:prstClr val="white"/>
-            </a:duotone>
-            <a:alphaModFix/>
-            <a:lum bright="100000"/>
-          </a:blip>
+          <a:blip r:embed="rId2"/>
           <a:stretch>
             <a:fillRect/>
           </a:stretch>
         </p:blipFill>
         <p:spPr>
           <a:xfrm>
-            <a:off x="7838661" y="720883"/>
-            <a:ext cx="839724" cy="839724"/>
+            <a:off x="7696488" y="701325"/>
+            <a:ext cx="1011426" cy="1015200"/>
           </a:xfrm>
           <a:prstGeom prst="rect">
             <a:avLst/>
           </a:prstGeom>
         </p:spPr>
       </p:pic>
+      <p:sp>
+        <p:nvSpPr>
+          <p:cNvPr id="11" name="Vertical Title 1">
+            <a:extLst>
+              <a:ext uri="{FF2B5EF4-FFF2-40B4-BE49-F238E27FC236}">
+                <a16:creationId xmlns:a16="http://schemas.microsoft.com/office/drawing/2014/main" id="{9D3F700B-2D07-A448-9622-360F28D96C56}"/>
+              </a:ext>
+            </a:extLst>
+          </p:cNvPr>
+          <p:cNvSpPr>
+            <a:spLocks noGrp="1"/>
+          </p:cNvSpPr>
+          <p:nvPr>
+            <p:ph type="title" orient="vert"/>
+          </p:nvPr>
+        </p:nvSpPr>
+        <p:spPr>
+          <a:xfrm>
+            <a:off x="6745255" y="675727"/>
+            <a:ext cx="1387269" cy="5183073"/>
+          </a:xfrm>
+          <a:prstGeom prst="rect">
+            <a:avLst/>
+          </a:prstGeom>
+        </p:spPr>
+        <p:txBody>
+          <a:bodyPr vert="eaVert" anchor="b"/>
+          <a:lstStyle/>
+          <a:p>
+            <a:r>
+              <a:rPr lang="zh-CN" altLang="en-US" dirty="0"/>
+              <a:t>单击此处编辑母版标题样式</a:t>
+            </a:r>
+            <a:endParaRPr lang="en-US" dirty="0"/>
+          </a:p>
+        </p:txBody>
+      </p:sp>
     </p:spTree>
     <p:extLst>
       <p:ext uri="{BB962C8B-B14F-4D97-AF65-F5344CB8AC3E}">
@@ -1586,7 +1578,7 @@
           <a:p>
             <a:fld id="{E4551058-E5DB-324A-A8E9-6D3BEF243C3B}" type="datetimeFigureOut">
               <a:rPr kumimoji="1" lang="zh-CN" altLang="en-US" smtClean="0"/>
-              <a:t>2022/6/5</a:t>
+              <a:t>2022/6/9</a:t>
             </a:fld>
             <a:endParaRPr kumimoji="1" lang="zh-CN" altLang="en-US"/>
           </a:p>
@@ -1661,7 +1653,7 @@
           <a:lstStyle/>
           <a:p>
             <a:r>
-              <a:rPr kumimoji="1" lang="zh-CN" altLang="en-US"/>
+              <a:rPr kumimoji="1" lang="zh-CN" altLang="en-US" dirty="0"/>
               <a:t>单击此处编辑母版标题样式</a:t>
             </a:r>
           </a:p>
@@ -1742,46 +1734,6 @@
           </a:fontRef>
         </p:style>
       </p:sp>
-      <p:pic>
-        <p:nvPicPr>
-          <p:cNvPr id="14" name="图片 13">
-            <a:extLst>
-              <a:ext uri="{FF2B5EF4-FFF2-40B4-BE49-F238E27FC236}">
-                <a16:creationId xmlns:a16="http://schemas.microsoft.com/office/drawing/2014/main" id="{0AF215CC-AC89-D044-B2A8-9A83896DB8AF}"/>
-              </a:ext>
-            </a:extLst>
-          </p:cNvPr>
-          <p:cNvPicPr>
-            <a:picLocks noChangeAspect="1"/>
-          </p:cNvPicPr>
-          <p:nvPr userDrawn="1"/>
-        </p:nvPicPr>
-        <p:blipFill>
-          <a:blip r:embed="rId2">
-            <a:duotone>
-              <a:schemeClr val="bg2">
-                <a:shade val="45000"/>
-                <a:satMod val="135000"/>
-              </a:schemeClr>
-              <a:prstClr val="white"/>
-            </a:duotone>
-            <a:alphaModFix/>
-            <a:lum bright="100000"/>
-          </a:blip>
-          <a:stretch>
-            <a:fillRect/>
-          </a:stretch>
-        </p:blipFill>
-        <p:spPr>
-          <a:xfrm>
-            <a:off x="545239" y="720883"/>
-            <a:ext cx="839724" cy="839724"/>
-          </a:xfrm>
-          <a:prstGeom prst="rect">
-            <a:avLst/>
-          </a:prstGeom>
-        </p:spPr>
-      </p:pic>
       <p:sp>
         <p:nvSpPr>
           <p:cNvPr id="11" name="Content Placeholder 2">
@@ -1891,7 +1843,7 @@
           <a:p>
             <a:fld id="{E4551058-E5DB-324A-A8E9-6D3BEF243C3B}" type="datetimeFigureOut">
               <a:rPr kumimoji="1" lang="zh-CN" altLang="en-US" smtClean="0"/>
-              <a:t>2022/6/5</a:t>
+              <a:t>2022/6/9</a:t>
             </a:fld>
             <a:endParaRPr kumimoji="1" lang="zh-CN" altLang="en-US"/>
           </a:p>
@@ -2061,8 +2013,8 @@
         </p:nvSpPr>
         <p:spPr>
           <a:xfrm rot="5400000">
-            <a:off x="727099" y="2543725"/>
-            <a:ext cx="3960000" cy="72000"/>
+            <a:off x="727004" y="2543820"/>
+            <a:ext cx="3960000" cy="71810"/>
           </a:xfrm>
           <a:prstGeom prst="rect">
             <a:avLst/>
@@ -2090,6 +2042,36 @@
           </a:fontRef>
         </p:style>
       </p:sp>
+      <p:pic>
+        <p:nvPicPr>
+          <p:cNvPr id="15" name="图片 14">
+            <a:extLst>
+              <a:ext uri="{FF2B5EF4-FFF2-40B4-BE49-F238E27FC236}">
+                <a16:creationId xmlns:a16="http://schemas.microsoft.com/office/drawing/2014/main" id="{D8526D29-9696-C944-B125-49221F8216AE}"/>
+              </a:ext>
+            </a:extLst>
+          </p:cNvPr>
+          <p:cNvPicPr>
+            <a:picLocks noChangeAspect="1"/>
+          </p:cNvPicPr>
+          <p:nvPr userDrawn="1"/>
+        </p:nvPicPr>
+        <p:blipFill>
+          <a:blip r:embed="rId2"/>
+          <a:stretch>
+            <a:fillRect/>
+          </a:stretch>
+        </p:blipFill>
+        <p:spPr>
+          <a:xfrm>
+            <a:off x="478726" y="643013"/>
+            <a:ext cx="1011426" cy="1015200"/>
+          </a:xfrm>
+          <a:prstGeom prst="rect">
+            <a:avLst/>
+          </a:prstGeom>
+        </p:spPr>
+      </p:pic>
     </p:spTree>
     <p:extLst>
       <p:ext uri="{BB962C8B-B14F-4D97-AF65-F5344CB8AC3E}">
@@ -2165,6 +2147,36 @@
           </a:fontRef>
         </p:style>
       </p:sp>
+      <p:pic>
+        <p:nvPicPr>
+          <p:cNvPr id="10" name="图片 9">
+            <a:extLst>
+              <a:ext uri="{FF2B5EF4-FFF2-40B4-BE49-F238E27FC236}">
+                <a16:creationId xmlns:a16="http://schemas.microsoft.com/office/drawing/2014/main" id="{1223F152-2996-4240-9BCB-101143E040A5}"/>
+              </a:ext>
+            </a:extLst>
+          </p:cNvPr>
+          <p:cNvPicPr>
+            <a:picLocks noChangeAspect="1"/>
+          </p:cNvPicPr>
+          <p:nvPr userDrawn="1"/>
+        </p:nvPicPr>
+        <p:blipFill>
+          <a:blip r:embed="rId2"/>
+          <a:stretch>
+            <a:fillRect/>
+          </a:stretch>
+        </p:blipFill>
+        <p:spPr>
+          <a:xfrm>
+            <a:off x="7703081" y="5263082"/>
+            <a:ext cx="1011426" cy="1015200"/>
+          </a:xfrm>
+          <a:prstGeom prst="rect">
+            <a:avLst/>
+          </a:prstGeom>
+        </p:spPr>
+      </p:pic>
       <p:sp>
         <p:nvSpPr>
           <p:cNvPr id="17" name="Title 1">
@@ -2196,7 +2208,7 @@
           </a:bodyPr>
           <a:lstStyle>
             <a:lvl1pPr algn="l">
-              <a:defRPr sz="2700" b="0" cap="all">
+              <a:defRPr sz="2700" b="0" cap="none" baseline="0">
                 <a:solidFill>
                   <a:schemeClr val="accent1"/>
                 </a:solidFill>
@@ -2205,7 +2217,7 @@
           </a:lstStyle>
           <a:p>
             <a:r>
-              <a:rPr lang="zh-CN" altLang="en-US"/>
+              <a:rPr lang="zh-CN" altLang="en-US" dirty="0"/>
               <a:t>单击此处编辑母版标题样式</a:t>
             </a:r>
             <a:endParaRPr lang="en-US" dirty="0"/>
@@ -2241,7 +2253,7 @@
           <a:lstStyle>
             <a:lvl1pPr marL="0" indent="0" algn="l">
               <a:buNone/>
-              <a:defRPr sz="1350" cap="all">
+              <a:defRPr sz="1350" cap="none" baseline="0">
                 <a:solidFill>
                   <a:schemeClr val="accent2"/>
                 </a:solidFill>
@@ -2331,7 +2343,7 @@
           <a:p>
             <a:pPr lvl="0"/>
             <a:r>
-              <a:rPr lang="zh-CN" altLang="en-US"/>
+              <a:rPr lang="zh-CN" altLang="en-US" dirty="0"/>
               <a:t>单击此处编辑母版文本样式</a:t>
             </a:r>
           </a:p>
@@ -2339,10 +2351,10 @@
       </p:sp>
       <p:sp>
         <p:nvSpPr>
-          <p:cNvPr id="19" name="Date Placeholder 3">
-            <a:extLst>
-              <a:ext uri="{FF2B5EF4-FFF2-40B4-BE49-F238E27FC236}">
-                <a16:creationId xmlns:a16="http://schemas.microsoft.com/office/drawing/2014/main" id="{63894592-A78C-994C-A7F8-16460B6D0042}"/>
+          <p:cNvPr id="11" name="Date Placeholder 4">
+            <a:extLst>
+              <a:ext uri="{FF2B5EF4-FFF2-40B4-BE49-F238E27FC236}">
+                <a16:creationId xmlns:a16="http://schemas.microsoft.com/office/drawing/2014/main" id="{DA065A56-DCC8-D84D-8199-005CB8B03612}"/>
               </a:ext>
             </a:extLst>
           </p:cNvPr>
@@ -2355,8 +2367,8 @@
         </p:nvSpPr>
         <p:spPr>
           <a:xfrm>
-            <a:off x="5704464" y="5956138"/>
-            <a:ext cx="2133599" cy="365125"/>
+            <a:off x="5704466" y="5956140"/>
+            <a:ext cx="1998616" cy="365125"/>
           </a:xfrm>
         </p:spPr>
         <p:txBody>
@@ -2376,18 +2388,18 @@
           <a:p>
             <a:fld id="{E4551058-E5DB-324A-A8E9-6D3BEF243C3B}" type="datetimeFigureOut">
               <a:rPr kumimoji="1" lang="zh-CN" altLang="en-US" smtClean="0"/>
-              <a:t>2022/6/5</a:t>
+              <a:t>2022/6/9</a:t>
             </a:fld>
-            <a:endParaRPr kumimoji="1" lang="zh-CN" altLang="en-US"/>
-          </a:p>
-        </p:txBody>
-      </p:sp>
-      <p:sp>
-        <p:nvSpPr>
-          <p:cNvPr id="20" name="Footer Placeholder 4">
-            <a:extLst>
-              <a:ext uri="{FF2B5EF4-FFF2-40B4-BE49-F238E27FC236}">
-                <a16:creationId xmlns:a16="http://schemas.microsoft.com/office/drawing/2014/main" id="{620A79B4-2346-8146-8C5E-F662BBFFD574}"/>
+            <a:endParaRPr kumimoji="1" lang="zh-CN" altLang="en-US" dirty="0"/>
+          </a:p>
+        </p:txBody>
+      </p:sp>
+      <p:sp>
+        <p:nvSpPr>
+          <p:cNvPr id="12" name="Footer Placeholder 5">
+            <a:extLst>
+              <a:ext uri="{FF2B5EF4-FFF2-40B4-BE49-F238E27FC236}">
+                <a16:creationId xmlns:a16="http://schemas.microsoft.com/office/drawing/2014/main" id="{3A75174A-ECBD-8D43-B9E7-41B50C563A0B}"/>
               </a:ext>
             </a:extLst>
           </p:cNvPr>
@@ -2400,7 +2412,7 @@
         </p:nvSpPr>
         <p:spPr>
           <a:xfrm>
-            <a:off x="435894" y="5951812"/>
+            <a:off x="435895" y="5951814"/>
             <a:ext cx="5187908" cy="365125"/>
           </a:xfrm>
         </p:spPr>
@@ -2425,10 +2437,10 @@
       </p:sp>
       <p:sp>
         <p:nvSpPr>
-          <p:cNvPr id="21" name="Slide Number Placeholder 5">
-            <a:extLst>
-              <a:ext uri="{FF2B5EF4-FFF2-40B4-BE49-F238E27FC236}">
-                <a16:creationId xmlns:a16="http://schemas.microsoft.com/office/drawing/2014/main" id="{C7187CC3-F105-CE4C-957B-55AE9DA69507}"/>
+          <p:cNvPr id="13" name="Slide Number Placeholder 6">
+            <a:extLst>
+              <a:ext uri="{FF2B5EF4-FFF2-40B4-BE49-F238E27FC236}">
+                <a16:creationId xmlns:a16="http://schemas.microsoft.com/office/drawing/2014/main" id="{FB445BB2-FA98-324E-8C7A-EA4D202FC034}"/>
               </a:ext>
             </a:extLst>
           </p:cNvPr>
@@ -2441,8 +2453,8 @@
         </p:nvSpPr>
         <p:spPr>
           <a:xfrm>
-            <a:off x="7918725" y="5956138"/>
-            <a:ext cx="789383" cy="365125"/>
+            <a:off x="7783744" y="5956140"/>
+            <a:ext cx="924365" cy="365125"/>
           </a:xfrm>
         </p:spPr>
         <p:txBody>
@@ -2464,50 +2476,10 @@
               <a:rPr kumimoji="1" lang="zh-CN" altLang="en-US" smtClean="0"/>
               <a:t>‹#›</a:t>
             </a:fld>
-            <a:endParaRPr kumimoji="1" lang="zh-CN" altLang="en-US"/>
-          </a:p>
-        </p:txBody>
-      </p:sp>
-      <p:pic>
-        <p:nvPicPr>
-          <p:cNvPr id="24" name="图片 23">
-            <a:extLst>
-              <a:ext uri="{FF2B5EF4-FFF2-40B4-BE49-F238E27FC236}">
-                <a16:creationId xmlns:a16="http://schemas.microsoft.com/office/drawing/2014/main" id="{626AB7F2-4C8C-7347-BA33-D23DDB5DFE8F}"/>
-              </a:ext>
-            </a:extLst>
-          </p:cNvPr>
-          <p:cNvPicPr>
-            <a:picLocks noChangeAspect="1"/>
-          </p:cNvPicPr>
-          <p:nvPr userDrawn="1"/>
-        </p:nvPicPr>
-        <p:blipFill>
-          <a:blip r:embed="rId2">
-            <a:duotone>
-              <a:schemeClr val="bg2">
-                <a:shade val="45000"/>
-                <a:satMod val="135000"/>
-              </a:schemeClr>
-              <a:prstClr val="white"/>
-            </a:duotone>
-            <a:alphaModFix/>
-            <a:lum bright="100000"/>
-          </a:blip>
-          <a:stretch>
-            <a:fillRect/>
-          </a:stretch>
-        </p:blipFill>
-        <p:spPr>
-          <a:xfrm>
-            <a:off x="7847629" y="5350820"/>
-            <a:ext cx="839724" cy="839724"/>
-          </a:xfrm>
-          <a:prstGeom prst="rect">
-            <a:avLst/>
-          </a:prstGeom>
-        </p:spPr>
-      </p:pic>
+            <a:endParaRPr kumimoji="1" lang="zh-CN" altLang="en-US" dirty="0"/>
+          </a:p>
+        </p:txBody>
+      </p:sp>
     </p:spTree>
     <p:extLst>
       <p:ext uri="{BB962C8B-B14F-4D97-AF65-F5344CB8AC3E}">
@@ -2673,7 +2645,7 @@
           <a:p>
             <a:fld id="{E4551058-E5DB-324A-A8E9-6D3BEF243C3B}" type="datetimeFigureOut">
               <a:rPr kumimoji="1" lang="zh-CN" altLang="en-US" smtClean="0"/>
-              <a:t>2022/6/5</a:t>
+              <a:t>2022/6/9</a:t>
             </a:fld>
             <a:endParaRPr kumimoji="1" lang="zh-CN" altLang="en-US"/>
           </a:p>
@@ -2743,7 +2715,7 @@
           <a:lstStyle/>
           <a:p>
             <a:r>
-              <a:rPr kumimoji="1" lang="zh-CN" altLang="en-US"/>
+              <a:rPr kumimoji="1" lang="zh-CN" altLang="en-US" dirty="0"/>
               <a:t>单击此处编辑母版标题样式</a:t>
             </a:r>
           </a:p>
@@ -2844,7 +2816,7 @@
           <a:p>
             <a:pPr lvl="0"/>
             <a:r>
-              <a:rPr lang="zh-CN" altLang="en-US"/>
+              <a:rPr lang="zh-CN" altLang="en-US" dirty="0"/>
               <a:t>单击此处编辑母版文本样式</a:t>
             </a:r>
           </a:p>
@@ -3056,7 +3028,7 @@
           <a:p>
             <a:fld id="{E4551058-E5DB-324A-A8E9-6D3BEF243C3B}" type="datetimeFigureOut">
               <a:rPr kumimoji="1" lang="zh-CN" altLang="en-US" smtClean="0"/>
-              <a:t>2022/6/5</a:t>
+              <a:t>2022/6/9</a:t>
             </a:fld>
             <a:endParaRPr kumimoji="1" lang="zh-CN" altLang="en-US"/>
           </a:p>
@@ -3179,7 +3151,7 @@
           <a:p>
             <a:fld id="{E4551058-E5DB-324A-A8E9-6D3BEF243C3B}" type="datetimeFigureOut">
               <a:rPr kumimoji="1" lang="zh-CN" altLang="en-US" smtClean="0"/>
-              <a:t>2022/6/5</a:t>
+              <a:t>2022/6/9</a:t>
             </a:fld>
             <a:endParaRPr kumimoji="1" lang="zh-CN" altLang="en-US"/>
           </a:p>
@@ -3249,7 +3221,7 @@
           <a:lstStyle/>
           <a:p>
             <a:r>
-              <a:rPr kumimoji="1" lang="zh-CN" altLang="en-US"/>
+              <a:rPr kumimoji="1" lang="zh-CN" altLang="en-US" dirty="0"/>
               <a:t>单击此处编辑母版标题样式</a:t>
             </a:r>
           </a:p>
@@ -3302,7 +3274,7 @@
           <a:p>
             <a:fld id="{E4551058-E5DB-324A-A8E9-6D3BEF243C3B}" type="datetimeFigureOut">
               <a:rPr kumimoji="1" lang="zh-CN" altLang="en-US" smtClean="0"/>
-              <a:t>2022/6/5</a:t>
+              <a:t>2022/6/9</a:t>
             </a:fld>
             <a:endParaRPr kumimoji="1" lang="zh-CN" altLang="en-US"/>
           </a:p>
@@ -3513,10 +3485,10 @@
       </p:sp>
       <p:pic>
         <p:nvPicPr>
-          <p:cNvPr id="13" name="图片 12">
-            <a:extLst>
-              <a:ext uri="{FF2B5EF4-FFF2-40B4-BE49-F238E27FC236}">
-                <a16:creationId xmlns:a16="http://schemas.microsoft.com/office/drawing/2014/main" id="{D71765BC-1F43-284B-8A6A-E6472F050AE1}"/>
+          <p:cNvPr id="10" name="图片 9">
+            <a:extLst>
+              <a:ext uri="{FF2B5EF4-FFF2-40B4-BE49-F238E27FC236}">
+                <a16:creationId xmlns:a16="http://schemas.microsoft.com/office/drawing/2014/main" id="{BD831B8C-88D5-E746-8ED3-A1684456F16E}"/>
               </a:ext>
             </a:extLst>
           </p:cNvPr>
@@ -3526,25 +3498,15 @@
           <p:nvPr userDrawn="1"/>
         </p:nvPicPr>
         <p:blipFill>
-          <a:blip r:embed="rId2">
-            <a:duotone>
-              <a:schemeClr val="bg2">
-                <a:shade val="45000"/>
-                <a:satMod val="135000"/>
-              </a:schemeClr>
-              <a:prstClr val="white"/>
-            </a:duotone>
-            <a:alphaModFix/>
-            <a:lum bright="100000"/>
-          </a:blip>
+          <a:blip r:embed="rId2"/>
           <a:stretch>
             <a:fillRect/>
           </a:stretch>
         </p:blipFill>
         <p:spPr>
           <a:xfrm>
-            <a:off x="7847629" y="5350820"/>
-            <a:ext cx="839724" cy="839724"/>
+            <a:off x="7703081" y="5263082"/>
+            <a:ext cx="1011426" cy="1015200"/>
           </a:xfrm>
           <a:prstGeom prst="rect">
             <a:avLst/>
@@ -3564,7 +3526,7 @@
         <p:spPr>
           <a:xfrm>
             <a:off x="435894" y="5262296"/>
-            <a:ext cx="3682084" cy="689514"/>
+            <a:ext cx="3682084" cy="605655"/>
           </a:xfrm>
           <a:prstGeom prst="rect">
             <a:avLst/>
@@ -3727,8 +3689,8 @@
         </p:nvSpPr>
         <p:spPr>
           <a:xfrm>
-            <a:off x="4305619" y="5262299"/>
-            <a:ext cx="3446111" cy="689515"/>
+            <a:off x="4305619" y="5262300"/>
+            <a:ext cx="3397462" cy="605652"/>
           </a:xfrm>
         </p:spPr>
         <p:txBody>
@@ -3798,8 +3760,8 @@
         </p:nvSpPr>
         <p:spPr>
           <a:xfrm>
-            <a:off x="5704465" y="5956140"/>
-            <a:ext cx="2047265" cy="365125"/>
+            <a:off x="5704466" y="5956140"/>
+            <a:ext cx="1998616" cy="365125"/>
           </a:xfrm>
         </p:spPr>
         <p:txBody>
@@ -3819,7 +3781,7 @@
           <a:p>
             <a:fld id="{E4551058-E5DB-324A-A8E9-6D3BEF243C3B}" type="datetimeFigureOut">
               <a:rPr kumimoji="1" lang="zh-CN" altLang="en-US" smtClean="0"/>
-              <a:t>2022/6/5</a:t>
+              <a:t>2022/6/9</a:t>
             </a:fld>
             <a:endParaRPr kumimoji="1" lang="zh-CN" altLang="en-US" dirty="0"/>
           </a:p>
@@ -3865,7 +3827,12 @@
             <p:ph type="sldNum" sz="quarter" idx="12"/>
           </p:nvPr>
         </p:nvSpPr>
-        <p:spPr/>
+        <p:spPr>
+          <a:xfrm>
+            <a:off x="7783744" y="5956140"/>
+            <a:ext cx="924365" cy="365125"/>
+          </a:xfrm>
+        </p:spPr>
         <p:txBody>
           <a:bodyPr/>
           <a:lstStyle>
@@ -3885,7 +3852,7 @@
               <a:rPr kumimoji="1" lang="zh-CN" altLang="en-US" smtClean="0"/>
               <a:t>‹#›</a:t>
             </a:fld>
-            <a:endParaRPr kumimoji="1" lang="zh-CN" altLang="en-US"/>
+            <a:endParaRPr kumimoji="1" lang="zh-CN" altLang="en-US" dirty="0"/>
           </a:p>
         </p:txBody>
       </p:sp>
@@ -3988,44 +3955,6 @@
       </p:sp>
       <p:sp>
         <p:nvSpPr>
-          <p:cNvPr id="7" name="标题占位符 6">
-            <a:extLst>
-              <a:ext uri="{FF2B5EF4-FFF2-40B4-BE49-F238E27FC236}">
-                <a16:creationId xmlns:a16="http://schemas.microsoft.com/office/drawing/2014/main" id="{386CB2C2-B0CA-6B4C-9D67-BC3A516A2E6A}"/>
-              </a:ext>
-            </a:extLst>
-          </p:cNvPr>
-          <p:cNvSpPr>
-            <a:spLocks noGrp="1"/>
-          </p:cNvSpPr>
-          <p:nvPr>
-            <p:ph type="title"/>
-          </p:nvPr>
-        </p:nvSpPr>
-        <p:spPr>
-          <a:xfrm>
-            <a:off x="435894" y="434928"/>
-            <a:ext cx="7411735" cy="1015200"/>
-          </a:xfrm>
-          <a:prstGeom prst="rect">
-            <a:avLst/>
-          </a:prstGeom>
-        </p:spPr>
-        <p:txBody>
-          <a:bodyPr vert="horz" lIns="91440" tIns="45720" rIns="91440" bIns="45720" rtlCol="0" anchor="ctr">
-            <a:normAutofit/>
-          </a:bodyPr>
-          <a:lstStyle/>
-          <a:p>
-            <a:r>
-              <a:rPr kumimoji="1" lang="zh-CN" altLang="en-US" dirty="0"/>
-              <a:t>单击此处编辑母版标题样式</a:t>
-            </a:r>
-          </a:p>
-        </p:txBody>
-      </p:sp>
-      <p:sp>
-        <p:nvSpPr>
           <p:cNvPr id="12" name="Rectangle 8">
             <a:extLst>
               <a:ext uri="{FF2B5EF4-FFF2-40B4-BE49-F238E27FC236}">
@@ -4205,7 +4134,7 @@
           <a:p>
             <a:fld id="{E4551058-E5DB-324A-A8E9-6D3BEF243C3B}" type="datetimeFigureOut">
               <a:rPr kumimoji="1" lang="zh-CN" altLang="en-US" smtClean="0"/>
-              <a:t>2022/6/5</a:t>
+              <a:t>2022/6/9</a:t>
             </a:fld>
             <a:endParaRPr kumimoji="1" lang="zh-CN" altLang="en-US"/>
           </a:p>
@@ -4287,10 +4216,10 @@
       </p:sp>
       <p:pic>
         <p:nvPicPr>
-          <p:cNvPr id="14" name="图片 13">
-            <a:extLst>
-              <a:ext uri="{FF2B5EF4-FFF2-40B4-BE49-F238E27FC236}">
-                <a16:creationId xmlns:a16="http://schemas.microsoft.com/office/drawing/2014/main" id="{4D451767-2F75-4E41-AC6B-6A5B92D938AD}"/>
+          <p:cNvPr id="11" name="图片 10">
+            <a:extLst>
+              <a:ext uri="{FF2B5EF4-FFF2-40B4-BE49-F238E27FC236}">
+                <a16:creationId xmlns:a16="http://schemas.microsoft.com/office/drawing/2014/main" id="{4953B5FA-B073-8F40-BB64-B3523AF1F421}"/>
               </a:ext>
             </a:extLst>
           </p:cNvPr>
@@ -4300,31 +4229,59 @@
           <p:nvPr userDrawn="1"/>
         </p:nvPicPr>
         <p:blipFill>
-          <a:blip r:embed="rId14">
-            <a:duotone>
-              <a:schemeClr val="bg2">
-                <a:shade val="45000"/>
-                <a:satMod val="135000"/>
-              </a:schemeClr>
-              <a:prstClr val="white"/>
-            </a:duotone>
-            <a:alphaModFix/>
-            <a:lum bright="100000"/>
-          </a:blip>
+          <a:blip r:embed="rId14"/>
           <a:stretch>
             <a:fillRect/>
           </a:stretch>
         </p:blipFill>
         <p:spPr>
           <a:xfrm>
-            <a:off x="7847629" y="524817"/>
-            <a:ext cx="839724" cy="839724"/>
+            <a:off x="7745168" y="434928"/>
+            <a:ext cx="1011426" cy="1015200"/>
           </a:xfrm>
           <a:prstGeom prst="rect">
             <a:avLst/>
           </a:prstGeom>
         </p:spPr>
       </p:pic>
+      <p:sp>
+        <p:nvSpPr>
+          <p:cNvPr id="7" name="标题占位符 6">
+            <a:extLst>
+              <a:ext uri="{FF2B5EF4-FFF2-40B4-BE49-F238E27FC236}">
+                <a16:creationId xmlns:a16="http://schemas.microsoft.com/office/drawing/2014/main" id="{386CB2C2-B0CA-6B4C-9D67-BC3A516A2E6A}"/>
+              </a:ext>
+            </a:extLst>
+          </p:cNvPr>
+          <p:cNvSpPr>
+            <a:spLocks noGrp="1"/>
+          </p:cNvSpPr>
+          <p:nvPr>
+            <p:ph type="title"/>
+          </p:nvPr>
+        </p:nvSpPr>
+        <p:spPr>
+          <a:xfrm>
+            <a:off x="435895" y="434928"/>
+            <a:ext cx="7309273" cy="1015200"/>
+          </a:xfrm>
+          <a:prstGeom prst="rect">
+            <a:avLst/>
+          </a:prstGeom>
+        </p:spPr>
+        <p:txBody>
+          <a:bodyPr vert="horz" lIns="91440" tIns="45720" rIns="91440" bIns="45720" rtlCol="0" anchor="ctr">
+            <a:normAutofit/>
+          </a:bodyPr>
+          <a:lstStyle/>
+          <a:p>
+            <a:r>
+              <a:rPr kumimoji="1" lang="zh-CN" altLang="en-US" dirty="0"/>
+              <a:t>单击此处编辑母版标题样式</a:t>
+            </a:r>
+          </a:p>
+        </p:txBody>
+      </p:sp>
     </p:spTree>
     <p:extLst>
       <p:ext uri="{BB962C8B-B14F-4D97-AF65-F5344CB8AC3E}">
@@ -4354,7 +4311,7 @@
           <a:spcPct val="0"/>
         </a:spcBef>
         <a:buNone/>
-        <a:defRPr sz="2100" b="0" kern="1200" cap="all">
+        <a:defRPr sz="2100" b="0" kern="1200" cap="none" baseline="0">
           <a:solidFill>
             <a:schemeClr val="bg1"/>
           </a:solidFill>
@@ -4741,7 +4698,7 @@
           <p:cNvPr id="2" name="标题 1">
             <a:extLst>
               <a:ext uri="{FF2B5EF4-FFF2-40B4-BE49-F238E27FC236}">
-                <a16:creationId xmlns:a16="http://schemas.microsoft.com/office/drawing/2014/main" id="{D35C4A8A-A46B-8D41-8F44-8C17E1B63584}"/>
+                <a16:creationId xmlns:a16="http://schemas.microsoft.com/office/drawing/2014/main" id="{B0430CFF-22F2-9E4D-8BF6-E48A1534E0F5}"/>
               </a:ext>
             </a:extLst>
           </p:cNvPr>
@@ -4789,7 +4746,7 @@
           <p:cNvPr id="3" name="副标题 2">
             <a:extLst>
               <a:ext uri="{FF2B5EF4-FFF2-40B4-BE49-F238E27FC236}">
-                <a16:creationId xmlns:a16="http://schemas.microsoft.com/office/drawing/2014/main" id="{5B7C49AC-161B-B74A-A7A2-0878EABB0F3A}"/>
+                <a16:creationId xmlns:a16="http://schemas.microsoft.com/office/drawing/2014/main" id="{E92B33EC-6F84-4646-8986-ED1219D468E1}"/>
               </a:ext>
             </a:extLst>
           </p:cNvPr>
@@ -4802,9 +4759,7 @@
         </p:nvSpPr>
         <p:spPr/>
         <p:txBody>
-          <a:bodyPr>
-            <a:normAutofit/>
-          </a:bodyPr>
+          <a:bodyPr/>
           <a:lstStyle/>
           <a:p>
             <a:r>
@@ -4851,7 +4806,7 @@
     </p:spTree>
     <p:extLst>
       <p:ext uri="{BB962C8B-B14F-4D97-AF65-F5344CB8AC3E}">
-        <p14:creationId xmlns:p14="http://schemas.microsoft.com/office/powerpoint/2010/main" val="1835200361"/>
+        <p14:creationId xmlns:p14="http://schemas.microsoft.com/office/powerpoint/2010/main" val="601365172"/>
       </p:ext>
     </p:extLst>
   </p:cSld>
@@ -5043,6 +4998,54 @@
             <a:endParaRPr kumimoji="1" lang="en-US" altLang="zh-CN" dirty="0"/>
           </a:p>
           <a:p>
+            <a:r>
+              <a:rPr kumimoji="1" lang="zh-CN" altLang="en-US" dirty="0"/>
+              <a:t>这个</a:t>
+            </a:r>
+            <a:r>
+              <a:rPr kumimoji="1" lang="en-US" altLang="zh-CN" dirty="0"/>
+              <a:t>PPT</a:t>
+            </a:r>
+            <a:r>
+              <a:rPr kumimoji="1" lang="zh-CN" altLang="en-US" dirty="0"/>
+              <a:t>模板来自：</a:t>
+            </a:r>
+            <a:r>
+              <a:rPr kumimoji="1" lang="en-US" altLang="zh-CN" dirty="0">
+                <a:hlinkClick r:id="rId2"/>
+              </a:rPr>
+              <a:t>https://github.com/atomiechen/THU-PPT-Theme</a:t>
+            </a:r>
+            <a:endParaRPr kumimoji="1" lang="en-US" altLang="zh-CN" dirty="0"/>
+          </a:p>
+          <a:p>
+            <a:pPr lvl="1"/>
+            <a:r>
+              <a:rPr kumimoji="1" lang="zh-CN" altLang="en-US" dirty="0"/>
+              <a:t>如果大家喜欢，欢迎给我</a:t>
+            </a:r>
+            <a:r>
+              <a:rPr kumimoji="1" lang="en-US" altLang="zh-CN" dirty="0"/>
+              <a:t>star</a:t>
+            </a:r>
+            <a:r>
+              <a:rPr kumimoji="1" lang="zh-CN" altLang="en-US" dirty="0"/>
+              <a:t>，也欢迎</a:t>
+            </a:r>
+            <a:r>
+              <a:rPr kumimoji="1" lang="en-US" altLang="zh-CN" dirty="0"/>
+              <a:t>PR</a:t>
+            </a:r>
+            <a:r>
+              <a:rPr kumimoji="1" lang="zh-CN" altLang="en-US" dirty="0"/>
+              <a:t>贡献更多变体！</a:t>
+            </a:r>
+            <a:endParaRPr kumimoji="1" lang="en-US" altLang="zh-CN" dirty="0"/>
+          </a:p>
+          <a:p>
+            <a:endParaRPr kumimoji="1" lang="en-US" altLang="zh-CN" dirty="0"/>
+          </a:p>
+          <a:p>
             <a:endParaRPr kumimoji="1" lang="zh-CN" altLang="en-US" dirty="0"/>
           </a:p>
         </p:txBody>
@@ -5180,6 +5183,19 @@
               <a:rPr kumimoji="1" lang="zh-CN" altLang="en-US" dirty="0"/>
               <a:t>更多页面款式供你选！</a:t>
             </a:r>
+            <a:endParaRPr kumimoji="1" lang="en-US" altLang="zh-CN" dirty="0"/>
+          </a:p>
+          <a:p>
+            <a:r>
+              <a:rPr kumimoji="1" lang="en-US" altLang="zh-CN" dirty="0">
+                <a:hlinkClick r:id="rId2"/>
+              </a:rPr>
+              <a:t>https://github.com/atomiechen/THU-PPT-Theme</a:t>
+            </a:r>
+            <a:endParaRPr kumimoji="1" lang="en-US" altLang="zh-CN" dirty="0"/>
+          </a:p>
+          <a:p>
+            <a:endParaRPr kumimoji="1" lang="zh-CN" altLang="en-US" dirty="0"/>
           </a:p>
           <a:p>
             <a:endParaRPr kumimoji="1" lang="zh-CN" altLang="en-US" dirty="0"/>
@@ -5296,6 +5312,25 @@
               <a:t>广而传播使用！</a:t>
             </a:r>
             <a:endParaRPr kumimoji="1" lang="en" altLang="zh-CN" dirty="0"/>
+          </a:p>
+          <a:p>
+            <a:r>
+              <a:rPr kumimoji="1" lang="zh-CN" altLang="en" dirty="0"/>
+              <a:t>链接</a:t>
+            </a:r>
+            <a:r>
+              <a:rPr kumimoji="1" lang="zh-CN" altLang="en-US" dirty="0"/>
+              <a:t>点开之后颜色会有变化（欢迎</a:t>
+            </a:r>
+            <a:r>
+              <a:rPr kumimoji="1" lang="en-US" altLang="zh-CN" dirty="0"/>
+              <a:t>star</a:t>
+            </a:r>
+            <a:r>
+              <a:rPr kumimoji="1" lang="zh-CN" altLang="en-US" dirty="0"/>
+              <a:t>）</a:t>
+            </a:r>
+            <a:endParaRPr kumimoji="1" lang="en-US" altLang="zh-CN" dirty="0"/>
           </a:p>
           <a:p>
             <a:endParaRPr kumimoji="1" lang="zh-CN" altLang="en-US" dirty="0"/>
@@ -5418,10 +5453,10 @@
       </p:sp>
       <p:pic>
         <p:nvPicPr>
-          <p:cNvPr id="3" name="图片 2">
-            <a:extLst>
-              <a:ext uri="{FF2B5EF4-FFF2-40B4-BE49-F238E27FC236}">
-                <a16:creationId xmlns:a16="http://schemas.microsoft.com/office/drawing/2014/main" id="{5BB9F994-2448-6A41-A38E-FC11692F182B}"/>
+          <p:cNvPr id="5" name="图片 4">
+            <a:extLst>
+              <a:ext uri="{FF2B5EF4-FFF2-40B4-BE49-F238E27FC236}">
+                <a16:creationId xmlns:a16="http://schemas.microsoft.com/office/drawing/2014/main" id="{C4C8659C-DF67-8848-9FDB-AB2768C36FC7}"/>
               </a:ext>
             </a:extLst>
           </p:cNvPr>
@@ -5431,26 +5466,15 @@
           <p:nvPr/>
         </p:nvPicPr>
         <p:blipFill>
-          <a:blip r:embed="rId2">
-            <a:clrChange>
-              <a:clrFrom>
-                <a:srgbClr val="ECEBEC"/>
-              </a:clrFrom>
-              <a:clrTo>
-                <a:srgbClr val="ECEBEC">
-                  <a:alpha val="0"/>
-                </a:srgbClr>
-              </a:clrTo>
-            </a:clrChange>
-          </a:blip>
+          <a:blip r:embed="rId2"/>
           <a:stretch>
             <a:fillRect/>
           </a:stretch>
         </p:blipFill>
         <p:spPr>
           <a:xfrm>
-            <a:off x="1161704" y="841924"/>
-            <a:ext cx="6820591" cy="3851463"/>
+            <a:off x="1285875" y="966852"/>
+            <a:ext cx="6572250" cy="3726534"/>
           </a:xfrm>
           <a:prstGeom prst="rect">
             <a:avLst/>
@@ -5770,7 +5794,7 @@
 <file path=ppt/theme/theme1.xml><?xml version="1.0" encoding="utf-8"?>
 <a:theme xmlns:a="http://schemas.openxmlformats.org/drawingml/2006/main" name="清华简约主题-留边-4:3">
   <a:themeElements>
-    <a:clrScheme name="自定义 4">
+    <a:clrScheme name="清华紫主题">
       <a:dk1>
         <a:srgbClr val="000000"/>
       </a:dk1>
@@ -5784,10 +5808,10 @@
         <a:srgbClr val="EBEBEB"/>
       </a:lt2>
       <a:accent1>
-        <a:srgbClr val="5C2F7D"/>
+        <a:srgbClr val="660874"/>
       </a:accent1>
       <a:accent2>
-        <a:srgbClr val="5C2F7D"/>
+        <a:srgbClr val="660874"/>
       </a:accent2>
       <a:accent3>
         <a:srgbClr val="E6C46D"/>
@@ -5802,10 +5826,10 @@
         <a:srgbClr val="5A8071"/>
       </a:accent6>
       <a:hlink>
-        <a:srgbClr val="828282"/>
+        <a:srgbClr val="007698"/>
       </a:hlink>
       <a:folHlink>
-        <a:srgbClr val="A5A5A5"/>
+        <a:srgbClr val="43064C"/>
       </a:folHlink>
     </a:clrScheme>
     <a:fontScheme name="红利">
